--- a/PULSERA para identificación de personas en estado de inconciencia Ultima version.pptx
+++ b/PULSERA para identificación de personas en estado de inconciencia Ultima version.pptx
@@ -311,7 +311,7 @@
           <a:p>
             <a:fld id="{B3030C24-9424-B24A-8613-79990C3AA492}" type="datetimeFigureOut">
               <a:rPr lang="es-ES" smtClean="0"/>
-              <a:t>07/04/2020</a:t>
+              <a:t>27/04/2020</a:t>
             </a:fld>
             <a:endParaRPr lang="es-ES"/>
           </a:p>
@@ -491,7 +491,7 @@
           <a:p>
             <a:fld id="{B3030C24-9424-B24A-8613-79990C3AA492}" type="datetimeFigureOut">
               <a:rPr lang="es-ES" smtClean="0"/>
-              <a:t>07/04/2020</a:t>
+              <a:t>27/04/2020</a:t>
             </a:fld>
             <a:endParaRPr lang="es-ES"/>
           </a:p>
@@ -1128,7 +1128,7 @@
           <a:p>
             <a:fld id="{B3030C24-9424-B24A-8613-79990C3AA492}" type="datetimeFigureOut">
               <a:rPr lang="es-ES" smtClean="0"/>
-              <a:t>07/04/2020</a:t>
+              <a:t>27/04/2020</a:t>
             </a:fld>
             <a:endParaRPr lang="es-ES"/>
           </a:p>
@@ -1381,7 +1381,7 @@
           <a:p>
             <a:fld id="{B3030C24-9424-B24A-8613-79990C3AA492}" type="datetimeFigureOut">
               <a:rPr lang="es-ES" smtClean="0"/>
-              <a:t>07/04/2020</a:t>
+              <a:t>27/04/2020</a:t>
             </a:fld>
             <a:endParaRPr lang="es-ES"/>
           </a:p>
@@ -1594,7 +1594,7 @@
           <a:p>
             <a:fld id="{B3030C24-9424-B24A-8613-79990C3AA492}" type="datetimeFigureOut">
               <a:rPr lang="es-ES" smtClean="0"/>
-              <a:t>07/04/2020</a:t>
+              <a:t>27/04/2020</a:t>
             </a:fld>
             <a:endParaRPr lang="es-ES"/>
           </a:p>
@@ -2662,7 +2662,15 @@
             <a:pPr algn="just"/>
             <a:r>
               <a:rPr lang="es-CO" sz="3600" dirty="0"/>
-              <a:t>Se le implementará a las manillas ya existentes audio y geolocalización.</a:t>
+              <a:t>Se </a:t>
+            </a:r>
+            <a:r>
+              <a:rPr lang="es-CO" sz="3600" dirty="0" smtClean="0"/>
+              <a:t>les </a:t>
+            </a:r>
+            <a:r>
+              <a:rPr lang="es-CO" sz="3600" dirty="0"/>
+              <a:t>implementará a las manillas ya existentes audio y geolocalización.</a:t>
             </a:r>
           </a:p>
           <a:p>
@@ -3580,8 +3588,13 @@
             </a:r>
             <a:r>
               <a:rPr lang="es-CO" sz="3200" dirty="0"/>
-              <a:t>la cual proporcionará la identificación personal del usuario</a:t>
-            </a:r>
+              <a:t>la cual proporcionará la identificación personal del </a:t>
+            </a:r>
+            <a:r>
+              <a:rPr lang="es-CO" sz="3200" dirty="0" smtClean="0"/>
+              <a:t>usuario</a:t>
+            </a:r>
+            <a:endParaRPr lang="es-CO" sz="3200" dirty="0"/>
           </a:p>
         </p:txBody>
       </p:sp>
@@ -3971,7 +3984,15 @@
             </a:pPr>
             <a:r>
               <a:rPr lang="es-CO" sz="3200" dirty="0"/>
-              <a:t>Crear el prototipo de una pulsera con código QR y audio que cumpla con los requisitos estipulados.</a:t>
+              <a:t>Crear el prototipo de una pulsera con código </a:t>
+            </a:r>
+            <a:r>
+              <a:rPr lang="es-CO" sz="3200" dirty="0" smtClean="0"/>
+              <a:t>QR, audio y geolocalización que </a:t>
+            </a:r>
+            <a:r>
+              <a:rPr lang="es-CO" sz="3200" dirty="0"/>
+              <a:t>cumpla con los requisitos estipulados.</a:t>
             </a:r>
           </a:p>
           <a:p>

--- a/PULSERA para identificación de personas en estado de inconciencia Ultima version.pptx
+++ b/PULSERA para identificación de personas en estado de inconciencia Ultima version.pptx
@@ -10,21 +10,20 @@
     <p:sldId id="264" r:id="rId4"/>
     <p:sldId id="265" r:id="rId5"/>
     <p:sldId id="270" r:id="rId6"/>
-    <p:sldId id="282" r:id="rId7"/>
-    <p:sldId id="266" r:id="rId8"/>
-    <p:sldId id="267" r:id="rId9"/>
-    <p:sldId id="269" r:id="rId10"/>
-    <p:sldId id="272" r:id="rId11"/>
-    <p:sldId id="268" r:id="rId12"/>
-    <p:sldId id="274" r:id="rId13"/>
-    <p:sldId id="275" r:id="rId14"/>
-    <p:sldId id="276" r:id="rId15"/>
-    <p:sldId id="277" r:id="rId16"/>
-    <p:sldId id="278" r:id="rId17"/>
-    <p:sldId id="279" r:id="rId18"/>
-    <p:sldId id="283" r:id="rId19"/>
-    <p:sldId id="281" r:id="rId20"/>
-    <p:sldId id="280" r:id="rId21"/>
+    <p:sldId id="266" r:id="rId7"/>
+    <p:sldId id="267" r:id="rId8"/>
+    <p:sldId id="269" r:id="rId9"/>
+    <p:sldId id="272" r:id="rId10"/>
+    <p:sldId id="268" r:id="rId11"/>
+    <p:sldId id="274" r:id="rId12"/>
+    <p:sldId id="275" r:id="rId13"/>
+    <p:sldId id="276" r:id="rId14"/>
+    <p:sldId id="277" r:id="rId15"/>
+    <p:sldId id="278" r:id="rId16"/>
+    <p:sldId id="279" r:id="rId17"/>
+    <p:sldId id="283" r:id="rId18"/>
+    <p:sldId id="281" r:id="rId19"/>
+    <p:sldId id="280" r:id="rId20"/>
   </p:sldIdLst>
   <p:sldSz cx="9144000" cy="5143500" type="screen16x9"/>
   <p:notesSz cx="6858000" cy="9144000"/>
@@ -311,7 +310,7 @@
           <a:p>
             <a:fld id="{B3030C24-9424-B24A-8613-79990C3AA492}" type="datetimeFigureOut">
               <a:rPr lang="es-ES" smtClean="0"/>
-              <a:t>27/04/2020</a:t>
+              <a:t>30/04/2020</a:t>
             </a:fld>
             <a:endParaRPr lang="es-ES"/>
           </a:p>
@@ -491,7 +490,7 @@
           <a:p>
             <a:fld id="{B3030C24-9424-B24A-8613-79990C3AA492}" type="datetimeFigureOut">
               <a:rPr lang="es-ES" smtClean="0"/>
-              <a:t>27/04/2020</a:t>
+              <a:t>30/04/2020</a:t>
             </a:fld>
             <a:endParaRPr lang="es-ES"/>
           </a:p>
@@ -1128,7 +1127,7 @@
           <a:p>
             <a:fld id="{B3030C24-9424-B24A-8613-79990C3AA492}" type="datetimeFigureOut">
               <a:rPr lang="es-ES" smtClean="0"/>
-              <a:t>27/04/2020</a:t>
+              <a:t>30/04/2020</a:t>
             </a:fld>
             <a:endParaRPr lang="es-ES"/>
           </a:p>
@@ -1381,7 +1380,7 @@
           <a:p>
             <a:fld id="{B3030C24-9424-B24A-8613-79990C3AA492}" type="datetimeFigureOut">
               <a:rPr lang="es-ES" smtClean="0"/>
-              <a:t>27/04/2020</a:t>
+              <a:t>30/04/2020</a:t>
             </a:fld>
             <a:endParaRPr lang="es-ES"/>
           </a:p>
@@ -1594,7 +1593,7 @@
           <a:p>
             <a:fld id="{B3030C24-9424-B24A-8613-79990C3AA492}" type="datetimeFigureOut">
               <a:rPr lang="es-ES" smtClean="0"/>
-              <a:t>27/04/2020</a:t>
+              <a:t>30/04/2020</a:t>
             </a:fld>
             <a:endParaRPr lang="es-ES"/>
           </a:p>
@@ -2138,82 +2137,78 @@
       </p:grpSpPr>
       <p:sp>
         <p:nvSpPr>
-          <p:cNvPr id="2" name="Rectángulo 1"/>
-          <p:cNvSpPr/>
+          <p:cNvPr id="2" name="CuadroTexto 1"/>
+          <p:cNvSpPr txBox="1"/>
           <p:nvPr/>
         </p:nvSpPr>
         <p:spPr>
           <a:xfrm>
-            <a:off x="540325" y="0"/>
-            <a:ext cx="7616538" cy="4524315"/>
+            <a:off x="382868" y="249495"/>
+            <a:ext cx="3160432" cy="1200329"/>
           </a:xfrm>
           <a:prstGeom prst="rect">
             <a:avLst/>
           </a:prstGeom>
-        </p:spPr>
-        <p:txBody>
-          <a:bodyPr wrap="square">
+          <a:noFill/>
+        </p:spPr>
+        <p:txBody>
+          <a:bodyPr wrap="square" rtlCol="0">
             <a:spAutoFit/>
           </a:bodyPr>
           <a:lstStyle/>
           <a:p>
-            <a:pPr lvl="0" algn="just"/>
-            <a:endParaRPr lang="es-CO" sz="3200" dirty="0"/>
-          </a:p>
-          <a:p>
-            <a:pPr marL="457200" indent="-457200" algn="just">
-              <a:buFont typeface="Arial" panose="020B0604020202020204" pitchFamily="34" charset="0"/>
-              <a:buChar char="•"/>
-            </a:pPr>
-            <a:r>
-              <a:rPr lang="es-CO" sz="3200" dirty="0"/>
-              <a:t>Desarrollar un aplicativo móvil, para la administración y visualización de los datos del usuario.</a:t>
-            </a:r>
-          </a:p>
-          <a:p>
-            <a:pPr marL="457200" indent="-457200" algn="just">
-              <a:buFont typeface="Arial" panose="020B0604020202020204" pitchFamily="34" charset="0"/>
-              <a:buChar char="•"/>
-            </a:pPr>
-            <a:endParaRPr lang="es-CO" sz="3200" dirty="0"/>
-          </a:p>
-          <a:p>
-            <a:pPr marL="457200" indent="-457200" algn="just">
-              <a:buFont typeface="Arial" panose="020B0604020202020204" pitchFamily="34" charset="0"/>
-              <a:buChar char="•"/>
-            </a:pPr>
-            <a:endParaRPr lang="es-CO" sz="3200" dirty="0"/>
-          </a:p>
-          <a:p>
-            <a:pPr marL="457200" indent="-457200" algn="just">
-              <a:buFont typeface="Arial" panose="020B0604020202020204" pitchFamily="34" charset="0"/>
-              <a:buChar char="•"/>
-            </a:pPr>
-            <a:r>
-              <a:rPr lang="es-CO" sz="3200" dirty="0"/>
-              <a:t>Implementar prototipo</a:t>
-            </a:r>
-          </a:p>
-          <a:p>
-            <a:pPr marL="457200" indent="-457200" algn="just">
-              <a:buFont typeface="Arial" panose="020B0604020202020204" pitchFamily="34" charset="0"/>
-              <a:buChar char="•"/>
-            </a:pPr>
-            <a:endParaRPr lang="es-CO" sz="3200" dirty="0"/>
-          </a:p>
-          <a:p>
-            <a:pPr marL="457200" lvl="0" indent="-457200" algn="just">
-              <a:buFont typeface="Arial" panose="020B0604020202020204" pitchFamily="34" charset="0"/>
-              <a:buChar char="•"/>
-            </a:pPr>
-            <a:endParaRPr lang="es-CO" sz="3200" dirty="0"/>
-          </a:p>
-        </p:txBody>
-      </p:sp>
+            <a:r>
+              <a:rPr lang="es-ES" sz="3600" b="1" dirty="0">
+                <a:solidFill>
+                  <a:schemeClr val="bg1"/>
+                </a:solidFill>
+              </a:rPr>
+              <a:t>Logo y slogan</a:t>
+            </a:r>
+          </a:p>
+          <a:p>
+            <a:endParaRPr lang="es-ES" sz="3600" b="1" dirty="0">
+              <a:solidFill>
+                <a:schemeClr val="bg1"/>
+              </a:solidFill>
+            </a:endParaRPr>
+          </a:p>
+        </p:txBody>
+      </p:sp>
+      <p:pic>
+        <p:nvPicPr>
+          <p:cNvPr id="3" name="Imagen 2">
+            <a:extLst>
+              <a:ext uri="{FF2B5EF4-FFF2-40B4-BE49-F238E27FC236}">
+                <a16:creationId xmlns:a16="http://schemas.microsoft.com/office/drawing/2014/main" id="{CCC8705C-50D6-4853-BD5A-DB05152CB465}"/>
+              </a:ext>
+            </a:extLst>
+          </p:cNvPr>
+          <p:cNvPicPr>
+            <a:picLocks noChangeAspect="1"/>
+          </p:cNvPicPr>
+          <p:nvPr/>
+        </p:nvPicPr>
+        <p:blipFill>
+          <a:blip r:embed="rId2"/>
+          <a:stretch>
+            <a:fillRect/>
+          </a:stretch>
+        </p:blipFill>
+        <p:spPr>
+          <a:xfrm>
+            <a:off x="2360174" y="1300894"/>
+            <a:ext cx="4268631" cy="3593288"/>
+          </a:xfrm>
+          <a:prstGeom prst="rect">
+            <a:avLst/>
+          </a:prstGeom>
+        </p:spPr>
+      </p:pic>
     </p:spTree>
     <p:extLst>
       <p:ext uri="{BB962C8B-B14F-4D97-AF65-F5344CB8AC3E}">
-        <p14:creationId xmlns:p14="http://schemas.microsoft.com/office/powerpoint/2010/main" val="3585917692"/>
+        <p14:creationId xmlns:p14="http://schemas.microsoft.com/office/powerpoint/2010/main" val="3536636248"/>
       </p:ext>
     </p:extLst>
   </p:cSld>
@@ -2248,8 +2243,8 @@
         </p:nvSpPr>
         <p:spPr>
           <a:xfrm>
-            <a:off x="382868" y="249495"/>
-            <a:ext cx="3160432" cy="1200329"/>
+            <a:off x="382867" y="249495"/>
+            <a:ext cx="4106005" cy="646331"/>
           </a:xfrm>
           <a:prstGeom prst="rect">
             <a:avLst/>
@@ -2268,52 +2263,44 @@
                   <a:schemeClr val="bg1"/>
                 </a:solidFill>
               </a:rPr>
-              <a:t>Logo y slogan</a:t>
-            </a:r>
-          </a:p>
-          <a:p>
-            <a:endParaRPr lang="es-ES" sz="3600" b="1" dirty="0">
-              <a:solidFill>
-                <a:schemeClr val="bg1"/>
-              </a:solidFill>
-            </a:endParaRPr>
-          </a:p>
-        </p:txBody>
-      </p:sp>
-      <p:pic>
-        <p:nvPicPr>
-          <p:cNvPr id="3" name="Imagen 2">
-            <a:extLst>
-              <a:ext uri="{FF2B5EF4-FFF2-40B4-BE49-F238E27FC236}">
-                <a16:creationId xmlns:a16="http://schemas.microsoft.com/office/drawing/2014/main" id="{CCC8705C-50D6-4853-BD5A-DB05152CB465}"/>
-              </a:ext>
-            </a:extLst>
-          </p:cNvPr>
-          <p:cNvPicPr>
-            <a:picLocks noChangeAspect="1"/>
-          </p:cNvPicPr>
+              <a:t>Alcance</a:t>
+            </a:r>
+          </a:p>
+        </p:txBody>
+      </p:sp>
+      <p:sp>
+        <p:nvSpPr>
+          <p:cNvPr id="3" name="Rectángulo 2"/>
+          <p:cNvSpPr/>
           <p:nvPr/>
-        </p:nvPicPr>
-        <p:blipFill>
-          <a:blip r:embed="rId2"/>
-          <a:stretch>
-            <a:fillRect/>
-          </a:stretch>
-        </p:blipFill>
-        <p:spPr>
-          <a:xfrm>
-            <a:off x="2360174" y="1300894"/>
-            <a:ext cx="4268631" cy="3593288"/>
+        </p:nvSpPr>
+        <p:spPr>
+          <a:xfrm>
+            <a:off x="555115" y="1998917"/>
+            <a:ext cx="8033769" cy="584775"/>
           </a:xfrm>
           <a:prstGeom prst="rect">
             <a:avLst/>
           </a:prstGeom>
         </p:spPr>
-      </p:pic>
+        <p:txBody>
+          <a:bodyPr wrap="square">
+            <a:spAutoFit/>
+          </a:bodyPr>
+          <a:lstStyle/>
+          <a:p>
+            <a:pPr algn="just"/>
+            <a:r>
+              <a:rPr lang="es-CO" sz="3200" dirty="0"/>
+              <a:t>El proyecto pretende llegar a un prototipo. </a:t>
+            </a:r>
+          </a:p>
+        </p:txBody>
+      </p:sp>
     </p:spTree>
     <p:extLst>
       <p:ext uri="{BB962C8B-B14F-4D97-AF65-F5344CB8AC3E}">
-        <p14:creationId xmlns:p14="http://schemas.microsoft.com/office/powerpoint/2010/main" val="3536636248"/>
+        <p14:creationId xmlns:p14="http://schemas.microsoft.com/office/powerpoint/2010/main" val="189091999"/>
       </p:ext>
     </p:extLst>
   </p:cSld>
@@ -2368,44 +2355,67 @@
                   <a:schemeClr val="bg1"/>
                 </a:solidFill>
               </a:rPr>
-              <a:t>Alcance</a:t>
-            </a:r>
-          </a:p>
-        </p:txBody>
-      </p:sp>
-      <p:sp>
-        <p:nvSpPr>
-          <p:cNvPr id="3" name="Rectángulo 2"/>
-          <p:cNvSpPr/>
+              <a:t>Impactos</a:t>
+            </a:r>
+          </a:p>
+        </p:txBody>
+      </p:sp>
+      <p:sp>
+        <p:nvSpPr>
+          <p:cNvPr id="3" name="CuadroTexto 2"/>
+          <p:cNvSpPr txBox="1"/>
           <p:nvPr/>
         </p:nvSpPr>
         <p:spPr>
           <a:xfrm>
-            <a:off x="555115" y="1998917"/>
-            <a:ext cx="8033769" cy="584775"/>
+            <a:off x="382867" y="1548246"/>
+            <a:ext cx="8158460" cy="3108543"/>
           </a:xfrm>
           <a:prstGeom prst="rect">
             <a:avLst/>
           </a:prstGeom>
-        </p:spPr>
-        <p:txBody>
-          <a:bodyPr wrap="square">
+          <a:noFill/>
+        </p:spPr>
+        <p:txBody>
+          <a:bodyPr wrap="square" rtlCol="0">
             <a:spAutoFit/>
           </a:bodyPr>
           <a:lstStyle/>
           <a:p>
             <a:pPr algn="just"/>
             <a:r>
-              <a:rPr lang="es-CO" sz="3200" dirty="0"/>
-              <a:t>El proyecto pretende llegar a un prototipo. </a:t>
-            </a:r>
+              <a:rPr lang="es-CO" sz="3600" b="1" dirty="0"/>
+              <a:t>Social: </a:t>
+            </a:r>
+          </a:p>
+          <a:p>
+            <a:pPr algn="just"/>
+            <a:endParaRPr lang="es-CO" sz="3200" b="1" dirty="0">
+              <a:ea typeface="Calibri" panose="020F0502020204030204" pitchFamily="34" charset="0"/>
+            </a:endParaRPr>
+          </a:p>
+          <a:p>
+            <a:pPr algn="just"/>
+            <a:r>
+              <a:rPr lang="es-CO" sz="3200" dirty="0">
+                <a:ea typeface="Calibri" panose="020F0502020204030204" pitchFamily="34" charset="0"/>
+              </a:rPr>
+              <a:t>Ayuda a que los organismos de seguridad le brinden una mejor atención básica en salud a las personas, en caso de que </a:t>
+            </a:r>
+            <a:r>
+              <a:rPr lang="es-ES" sz="3200" dirty="0">
+                <a:ea typeface="Calibri" panose="020F0502020204030204" pitchFamily="34" charset="0"/>
+              </a:rPr>
+              <a:t>se encuentre en estado de inconsciencia.</a:t>
+            </a:r>
+            <a:endParaRPr lang="es-CO" sz="3200" b="1" dirty="0"/>
           </a:p>
         </p:txBody>
       </p:sp>
     </p:spTree>
     <p:extLst>
       <p:ext uri="{BB962C8B-B14F-4D97-AF65-F5344CB8AC3E}">
-        <p14:creationId xmlns:p14="http://schemas.microsoft.com/office/powerpoint/2010/main" val="189091999"/>
+        <p14:creationId xmlns:p14="http://schemas.microsoft.com/office/powerpoint/2010/main" val="1230913437"/>
       </p:ext>
     </p:extLst>
   </p:cSld>
@@ -2440,8 +2450,8 @@
         </p:nvSpPr>
         <p:spPr>
           <a:xfrm>
-            <a:off x="382867" y="249495"/>
-            <a:ext cx="4106005" cy="646331"/>
+            <a:off x="477980" y="529936"/>
+            <a:ext cx="7678884" cy="2923877"/>
           </a:xfrm>
           <a:prstGeom prst="rect">
             <a:avLst/>
@@ -2454,73 +2464,33 @@
           </a:bodyPr>
           <a:lstStyle/>
           <a:p>
-            <a:r>
-              <a:rPr lang="es-ES" sz="3600" b="1" dirty="0">
-                <a:solidFill>
-                  <a:schemeClr val="bg1"/>
-                </a:solidFill>
-              </a:rPr>
-              <a:t>Impactos</a:t>
-            </a:r>
-          </a:p>
-        </p:txBody>
-      </p:sp>
-      <p:sp>
-        <p:nvSpPr>
-          <p:cNvPr id="3" name="CuadroTexto 2"/>
-          <p:cNvSpPr txBox="1"/>
-          <p:nvPr/>
-        </p:nvSpPr>
-        <p:spPr>
-          <a:xfrm>
-            <a:off x="382867" y="1548246"/>
-            <a:ext cx="8158460" cy="3108543"/>
-          </a:xfrm>
-          <a:prstGeom prst="rect">
-            <a:avLst/>
-          </a:prstGeom>
-          <a:noFill/>
-        </p:spPr>
-        <p:txBody>
-          <a:bodyPr wrap="square" rtlCol="0">
-            <a:spAutoFit/>
-          </a:bodyPr>
-          <a:lstStyle/>
-          <a:p>
             <a:pPr algn="just"/>
             <a:r>
               <a:rPr lang="es-CO" sz="3600" b="1" dirty="0"/>
-              <a:t>Social: </a:t>
+              <a:t>Económico:</a:t>
+            </a:r>
+            <a:r>
+              <a:rPr lang="es-CO" sz="3600" dirty="0"/>
+              <a:t> </a:t>
             </a:r>
           </a:p>
           <a:p>
             <a:pPr algn="just"/>
-            <a:endParaRPr lang="es-CO" sz="3200" b="1" dirty="0">
-              <a:ea typeface="Calibri" panose="020F0502020204030204" pitchFamily="34" charset="0"/>
-            </a:endParaRPr>
+            <a:endParaRPr lang="es-CO" sz="4000" dirty="0"/>
           </a:p>
           <a:p>
             <a:pPr algn="just"/>
             <a:r>
-              <a:rPr lang="es-CO" sz="3200" dirty="0">
-                <a:ea typeface="Calibri" panose="020F0502020204030204" pitchFamily="34" charset="0"/>
-              </a:rPr>
-              <a:t>Ayuda a que los organismos de seguridad le brinden una mejor atención básica en salud a las personas, en caso de que </a:t>
-            </a:r>
-            <a:r>
-              <a:rPr lang="es-ES" sz="3200" dirty="0">
-                <a:ea typeface="Calibri" panose="020F0502020204030204" pitchFamily="34" charset="0"/>
-              </a:rPr>
-              <a:t>se encuentre en estado de inconsciencia.</a:t>
-            </a:r>
-            <a:endParaRPr lang="es-CO" sz="3200" b="1" dirty="0"/>
+              <a:rPr lang="es-CO" sz="3600" dirty="0"/>
+              <a:t>Debido a que se conoce la información personal del usuario se evitaran traslados innecesarios</a:t>
+            </a:r>
           </a:p>
         </p:txBody>
       </p:sp>
     </p:spTree>
     <p:extLst>
       <p:ext uri="{BB962C8B-B14F-4D97-AF65-F5344CB8AC3E}">
-        <p14:creationId xmlns:p14="http://schemas.microsoft.com/office/powerpoint/2010/main" val="1230913437"/>
+        <p14:creationId xmlns:p14="http://schemas.microsoft.com/office/powerpoint/2010/main" val="1524763889"/>
       </p:ext>
     </p:extLst>
   </p:cSld>
@@ -2555,8 +2525,8 @@
         </p:nvSpPr>
         <p:spPr>
           <a:xfrm>
-            <a:off x="477980" y="529936"/>
-            <a:ext cx="7678884" cy="2923877"/>
+            <a:off x="405245" y="332508"/>
+            <a:ext cx="7658101" cy="3077766"/>
           </a:xfrm>
           <a:prstGeom prst="rect">
             <a:avLst/>
@@ -2571,31 +2541,43 @@
           <a:p>
             <a:pPr algn="just"/>
             <a:r>
-              <a:rPr lang="es-CO" sz="3600" b="1" dirty="0"/>
-              <a:t>Económico:</a:t>
-            </a:r>
+              <a:rPr lang="es-CO" sz="4000" b="1" dirty="0"/>
+              <a:t>Tecnológico: </a:t>
+            </a:r>
+          </a:p>
+          <a:p>
+            <a:pPr algn="just"/>
+            <a:endParaRPr lang="es-CO" sz="3200" b="1" dirty="0"/>
+          </a:p>
+          <a:p>
+            <a:pPr algn="just"/>
+            <a:endParaRPr lang="es-CO" sz="3200" b="1" dirty="0"/>
+          </a:p>
+          <a:p>
+            <a:pPr algn="just"/>
             <a:r>
               <a:rPr lang="es-CO" sz="3600" dirty="0"/>
-              <a:t> </a:t>
+              <a:t>Se </a:t>
+            </a:r>
+            <a:r>
+              <a:rPr lang="es-CO" sz="3600" dirty="0" smtClean="0"/>
+              <a:t>les </a:t>
+            </a:r>
+            <a:r>
+              <a:rPr lang="es-CO" sz="3600" dirty="0"/>
+              <a:t>implementará a las manillas ya existentes audio y geolocalización.</a:t>
             </a:r>
           </a:p>
           <a:p>
             <a:pPr algn="just"/>
-            <a:endParaRPr lang="es-CO" sz="4000" dirty="0"/>
-          </a:p>
-          <a:p>
-            <a:pPr algn="just"/>
-            <a:r>
-              <a:rPr lang="es-CO" sz="3600" dirty="0"/>
-              <a:t>Debido a que se conoce la información personal del usuario se evitaran traslados innecesarios</a:t>
-            </a:r>
+            <a:endParaRPr lang="es-CO" dirty="0"/>
           </a:p>
         </p:txBody>
       </p:sp>
     </p:spTree>
     <p:extLst>
       <p:ext uri="{BB962C8B-B14F-4D97-AF65-F5344CB8AC3E}">
-        <p14:creationId xmlns:p14="http://schemas.microsoft.com/office/powerpoint/2010/main" val="1524763889"/>
+        <p14:creationId xmlns:p14="http://schemas.microsoft.com/office/powerpoint/2010/main" val="981732975"/>
       </p:ext>
     </p:extLst>
   </p:cSld>
@@ -2630,8 +2612,8 @@
         </p:nvSpPr>
         <p:spPr>
           <a:xfrm>
-            <a:off x="405245" y="332508"/>
-            <a:ext cx="7658101" cy="3077766"/>
+            <a:off x="382867" y="249495"/>
+            <a:ext cx="4106005" cy="646331"/>
           </a:xfrm>
           <a:prstGeom prst="rect">
             <a:avLst/>
@@ -2644,45 +2626,51 @@
           </a:bodyPr>
           <a:lstStyle/>
           <a:p>
-            <a:pPr algn="just"/>
-            <a:r>
-              <a:rPr lang="es-CO" sz="4000" b="1" dirty="0"/>
-              <a:t>Tecnológico: </a:t>
-            </a:r>
-          </a:p>
-          <a:p>
-            <a:pPr algn="just"/>
-            <a:endParaRPr lang="es-CO" sz="3200" b="1" dirty="0"/>
-          </a:p>
-          <a:p>
-            <a:pPr algn="just"/>
-            <a:endParaRPr lang="es-CO" sz="3200" b="1" dirty="0"/>
-          </a:p>
-          <a:p>
-            <a:pPr algn="just"/>
-            <a:r>
-              <a:rPr lang="es-CO" sz="3600" dirty="0"/>
-              <a:t>Se </a:t>
-            </a:r>
-            <a:r>
-              <a:rPr lang="es-CO" sz="3600" dirty="0" smtClean="0"/>
-              <a:t>les </a:t>
-            </a:r>
-            <a:r>
-              <a:rPr lang="es-CO" sz="3600" dirty="0"/>
-              <a:t>implementará a las manillas ya existentes audio y geolocalización.</a:t>
-            </a:r>
-          </a:p>
-          <a:p>
-            <a:pPr algn="just"/>
-            <a:endParaRPr lang="es-CO" dirty="0"/>
-          </a:p>
-        </p:txBody>
-      </p:sp>
+            <a:r>
+              <a:rPr lang="es-ES" sz="3600" b="1" dirty="0">
+                <a:solidFill>
+                  <a:schemeClr val="bg1"/>
+                </a:solidFill>
+              </a:rPr>
+              <a:t>Mapa de procesos</a:t>
+            </a:r>
+          </a:p>
+        </p:txBody>
+      </p:sp>
+      <p:pic>
+        <p:nvPicPr>
+          <p:cNvPr id="5" name="Imagen 4">
+            <a:extLst>
+              <a:ext uri="{FF2B5EF4-FFF2-40B4-BE49-F238E27FC236}">
+                <a16:creationId xmlns:a16="http://schemas.microsoft.com/office/drawing/2014/main" id="{E2C91A42-73B0-4048-914C-3CBE69CF462F}"/>
+              </a:ext>
+            </a:extLst>
+          </p:cNvPr>
+          <p:cNvPicPr>
+            <a:picLocks noChangeAspect="1"/>
+          </p:cNvPicPr>
+          <p:nvPr/>
+        </p:nvPicPr>
+        <p:blipFill>
+          <a:blip r:embed="rId2"/>
+          <a:stretch>
+            <a:fillRect/>
+          </a:stretch>
+        </p:blipFill>
+        <p:spPr>
+          <a:xfrm>
+            <a:off x="0" y="1050324"/>
+            <a:ext cx="9144000" cy="4093176"/>
+          </a:xfrm>
+          <a:prstGeom prst="rect">
+            <a:avLst/>
+          </a:prstGeom>
+        </p:spPr>
+      </p:pic>
     </p:spTree>
     <p:extLst>
       <p:ext uri="{BB962C8B-B14F-4D97-AF65-F5344CB8AC3E}">
-        <p14:creationId xmlns:p14="http://schemas.microsoft.com/office/powerpoint/2010/main" val="981732975"/>
+        <p14:creationId xmlns:p14="http://schemas.microsoft.com/office/powerpoint/2010/main" val="1352640011"/>
       </p:ext>
     </p:extLst>
   </p:cSld>
@@ -2737,45 +2725,259 @@
                   <a:schemeClr val="bg1"/>
                 </a:solidFill>
               </a:rPr>
-              <a:t>Mapa de procesos</a:t>
-            </a:r>
-          </a:p>
-        </p:txBody>
-      </p:sp>
-      <p:pic>
-        <p:nvPicPr>
-          <p:cNvPr id="5" name="Imagen 4">
-            <a:extLst>
-              <a:ext uri="{FF2B5EF4-FFF2-40B4-BE49-F238E27FC236}">
-                <a16:creationId xmlns:a16="http://schemas.microsoft.com/office/drawing/2014/main" id="{E2C91A42-73B0-4048-914C-3CBE69CF462F}"/>
-              </a:ext>
-            </a:extLst>
-          </p:cNvPr>
-          <p:cNvPicPr>
-            <a:picLocks noChangeAspect="1"/>
-          </p:cNvPicPr>
+              <a:t>Avances</a:t>
+            </a:r>
+          </a:p>
+        </p:txBody>
+      </p:sp>
+      <p:sp>
+        <p:nvSpPr>
+          <p:cNvPr id="3" name="Rectángulo 2"/>
+          <p:cNvSpPr/>
           <p:nvPr/>
-        </p:nvPicPr>
-        <p:blipFill>
-          <a:blip r:embed="rId2"/>
-          <a:stretch>
-            <a:fillRect/>
-          </a:stretch>
-        </p:blipFill>
-        <p:spPr>
-          <a:xfrm>
-            <a:off x="0" y="1050324"/>
-            <a:ext cx="9144000" cy="4093176"/>
+        </p:nvSpPr>
+        <p:spPr>
+          <a:xfrm>
+            <a:off x="289349" y="1164206"/>
+            <a:ext cx="8033769" cy="3979294"/>
           </a:xfrm>
           <a:prstGeom prst="rect">
             <a:avLst/>
           </a:prstGeom>
         </p:spPr>
-      </p:pic>
+        <p:txBody>
+          <a:bodyPr wrap="square">
+            <a:spAutoFit/>
+          </a:bodyPr>
+          <a:lstStyle/>
+          <a:p>
+            <a:pPr>
+              <a:lnSpc>
+                <a:spcPct val="107000"/>
+              </a:lnSpc>
+              <a:spcAft>
+                <a:spcPts val="800"/>
+              </a:spcAft>
+            </a:pPr>
+            <a:r>
+              <a:rPr lang="es-MX" dirty="0">
+                <a:latin typeface="Calibri" panose="020F0502020204030204" pitchFamily="34" charset="0"/>
+                <a:ea typeface="Calibri" panose="020F0502020204030204" pitchFamily="34" charset="0"/>
+                <a:cs typeface="Times New Roman" panose="02020603050405020304" pitchFamily="18" charset="0"/>
+              </a:rPr>
+              <a:t>Los cambios y avances que ha tenido nuestro proyecto son las siguientes:</a:t>
+            </a:r>
+          </a:p>
+          <a:p>
+            <a:pPr marL="285750" indent="-285750">
+              <a:lnSpc>
+                <a:spcPct val="107000"/>
+              </a:lnSpc>
+              <a:spcAft>
+                <a:spcPts val="800"/>
+              </a:spcAft>
+              <a:buFont typeface="Arial" panose="020B0604020202020204" pitchFamily="34" charset="0"/>
+              <a:buChar char="•"/>
+            </a:pPr>
+            <a:r>
+              <a:rPr lang="es-MX" dirty="0">
+                <a:latin typeface="Calibri" panose="020F0502020204030204" pitchFamily="34" charset="0"/>
+                <a:ea typeface="Calibri" panose="020F0502020204030204" pitchFamily="34" charset="0"/>
+                <a:cs typeface="Times New Roman" panose="02020603050405020304" pitchFamily="18" charset="0"/>
+              </a:rPr>
+              <a:t>Realizamos la encuesta.</a:t>
+            </a:r>
+          </a:p>
+          <a:p>
+            <a:pPr marL="285750" indent="-285750">
+              <a:lnSpc>
+                <a:spcPct val="107000"/>
+              </a:lnSpc>
+              <a:spcAft>
+                <a:spcPts val="800"/>
+              </a:spcAft>
+              <a:buFont typeface="Arial" panose="020B0604020202020204" pitchFamily="34" charset="0"/>
+              <a:buChar char="•"/>
+            </a:pPr>
+            <a:r>
+              <a:rPr lang="es-MX" dirty="0">
+                <a:latin typeface="Calibri" panose="020F0502020204030204" pitchFamily="34" charset="0"/>
+                <a:ea typeface="Calibri" panose="020F0502020204030204" pitchFamily="34" charset="0"/>
+                <a:cs typeface="Times New Roman" panose="02020603050405020304" pitchFamily="18" charset="0"/>
+              </a:rPr>
+              <a:t>Hicimos la ficha técnica de la encuesta.</a:t>
+            </a:r>
+          </a:p>
+          <a:p>
+            <a:pPr marL="285750" indent="-285750">
+              <a:lnSpc>
+                <a:spcPct val="107000"/>
+              </a:lnSpc>
+              <a:spcAft>
+                <a:spcPts val="800"/>
+              </a:spcAft>
+              <a:buFont typeface="Arial" panose="020B0604020202020204" pitchFamily="34" charset="0"/>
+              <a:buChar char="•"/>
+            </a:pPr>
+            <a:r>
+              <a:rPr lang="es-MX" dirty="0">
+                <a:latin typeface="Calibri" panose="020F0502020204030204" pitchFamily="34" charset="0"/>
+                <a:ea typeface="Calibri" panose="020F0502020204030204" pitchFamily="34" charset="0"/>
+                <a:cs typeface="Times New Roman" panose="02020603050405020304" pitchFamily="18" charset="0"/>
+              </a:rPr>
+              <a:t>Agregamos y organizamos los objetivos específicos.</a:t>
+            </a:r>
+            <a:endParaRPr lang="es-CO" dirty="0">
+              <a:latin typeface="Calibri" panose="020F0502020204030204" pitchFamily="34" charset="0"/>
+              <a:ea typeface="Calibri" panose="020F0502020204030204" pitchFamily="34" charset="0"/>
+              <a:cs typeface="Times New Roman" panose="02020603050405020304" pitchFamily="18" charset="0"/>
+            </a:endParaRPr>
+          </a:p>
+          <a:p>
+            <a:pPr marL="285750" indent="-285750">
+              <a:lnSpc>
+                <a:spcPct val="107000"/>
+              </a:lnSpc>
+              <a:spcAft>
+                <a:spcPts val="800"/>
+              </a:spcAft>
+              <a:buFont typeface="Arial" panose="020B0604020202020204" pitchFamily="34" charset="0"/>
+              <a:buChar char="•"/>
+            </a:pPr>
+            <a:r>
+              <a:rPr lang="es-MX" dirty="0">
+                <a:latin typeface="Calibri" panose="020F0502020204030204" pitchFamily="34" charset="0"/>
+                <a:ea typeface="Calibri" panose="020F0502020204030204" pitchFamily="34" charset="0"/>
+                <a:cs typeface="Times New Roman" panose="02020603050405020304" pitchFamily="18" charset="0"/>
+              </a:rPr>
+              <a:t>Modificamos el mapa mental.</a:t>
+            </a:r>
+            <a:endParaRPr lang="es-CO" dirty="0">
+              <a:latin typeface="Calibri" panose="020F0502020204030204" pitchFamily="34" charset="0"/>
+              <a:ea typeface="Calibri" panose="020F0502020204030204" pitchFamily="34" charset="0"/>
+              <a:cs typeface="Times New Roman" panose="02020603050405020304" pitchFamily="18" charset="0"/>
+            </a:endParaRPr>
+          </a:p>
+          <a:p>
+            <a:pPr marL="285750" indent="-285750">
+              <a:lnSpc>
+                <a:spcPct val="107000"/>
+              </a:lnSpc>
+              <a:spcAft>
+                <a:spcPts val="800"/>
+              </a:spcAft>
+              <a:buFont typeface="Arial" panose="020B0604020202020204" pitchFamily="34" charset="0"/>
+              <a:buChar char="•"/>
+            </a:pPr>
+            <a:r>
+              <a:rPr lang="es-MX" dirty="0">
+                <a:latin typeface="Calibri" panose="020F0502020204030204" pitchFamily="34" charset="0"/>
+                <a:ea typeface="Calibri" panose="020F0502020204030204" pitchFamily="34" charset="0"/>
+                <a:cs typeface="Times New Roman" panose="02020603050405020304" pitchFamily="18" charset="0"/>
+              </a:rPr>
+              <a:t>Agregamos unas palabras al glosario.</a:t>
+            </a:r>
+          </a:p>
+          <a:p>
+            <a:pPr marL="285750" indent="-285750">
+              <a:lnSpc>
+                <a:spcPct val="107000"/>
+              </a:lnSpc>
+              <a:spcAft>
+                <a:spcPts val="800"/>
+              </a:spcAft>
+              <a:buFont typeface="Arial" panose="020B0604020202020204" pitchFamily="34" charset="0"/>
+              <a:buChar char="•"/>
+            </a:pPr>
+            <a:r>
+              <a:rPr lang="es-MX" dirty="0">
+                <a:latin typeface="Calibri" panose="020F0502020204030204" pitchFamily="34" charset="0"/>
+                <a:ea typeface="Calibri" panose="020F0502020204030204" pitchFamily="34" charset="0"/>
+                <a:cs typeface="Times New Roman" panose="02020603050405020304" pitchFamily="18" charset="0"/>
+              </a:rPr>
+              <a:t>Agregamos los requisitos funcionales y no funcionales.</a:t>
+            </a:r>
+          </a:p>
+          <a:p>
+            <a:pPr marL="285750" indent="-285750">
+              <a:lnSpc>
+                <a:spcPct val="107000"/>
+              </a:lnSpc>
+              <a:spcAft>
+                <a:spcPts val="800"/>
+              </a:spcAft>
+              <a:buFont typeface="Arial" panose="020B0604020202020204" pitchFamily="34" charset="0"/>
+              <a:buChar char="•"/>
+            </a:pPr>
+            <a:r>
+              <a:rPr lang="es-MX" dirty="0">
+                <a:latin typeface="Calibri" panose="020F0502020204030204" pitchFamily="34" charset="0"/>
+                <a:ea typeface="Calibri" panose="020F0502020204030204" pitchFamily="34" charset="0"/>
+                <a:cs typeface="Times New Roman" panose="02020603050405020304" pitchFamily="18" charset="0"/>
+              </a:rPr>
+              <a:t>Hicimos el mapa conceptual de los requisitos funcionales y no funcionales. </a:t>
+            </a:r>
+            <a:endParaRPr lang="es-CO" dirty="0">
+              <a:latin typeface="Calibri" panose="020F0502020204030204" pitchFamily="34" charset="0"/>
+              <a:ea typeface="Calibri" panose="020F0502020204030204" pitchFamily="34" charset="0"/>
+              <a:cs typeface="Times New Roman" panose="02020603050405020304" pitchFamily="18" charset="0"/>
+            </a:endParaRPr>
+          </a:p>
+          <a:p>
+            <a:pPr marL="285750" indent="-285750">
+              <a:lnSpc>
+                <a:spcPct val="107000"/>
+              </a:lnSpc>
+              <a:spcAft>
+                <a:spcPts val="800"/>
+              </a:spcAft>
+              <a:buFont typeface="Arial" panose="020B0604020202020204" pitchFamily="34" charset="0"/>
+              <a:buChar char="•"/>
+            </a:pPr>
+            <a:r>
+              <a:rPr lang="es-MX" dirty="0">
+                <a:latin typeface="Calibri" panose="020F0502020204030204" pitchFamily="34" charset="0"/>
+                <a:ea typeface="Calibri" panose="020F0502020204030204" pitchFamily="34" charset="0"/>
+                <a:cs typeface="Times New Roman" panose="02020603050405020304" pitchFamily="18" charset="0"/>
+              </a:rPr>
+              <a:t>Modificamos el mapa de procesos.</a:t>
+            </a:r>
+          </a:p>
+          <a:p>
+            <a:pPr marL="285750" indent="-285750">
+              <a:lnSpc>
+                <a:spcPct val="107000"/>
+              </a:lnSpc>
+              <a:spcAft>
+                <a:spcPts val="800"/>
+              </a:spcAft>
+              <a:buFont typeface="Arial" panose="020B0604020202020204" pitchFamily="34" charset="0"/>
+              <a:buChar char="•"/>
+            </a:pPr>
+            <a:r>
+              <a:rPr lang="es-MX" dirty="0">
+                <a:latin typeface="Calibri" panose="020F0502020204030204" pitchFamily="34" charset="0"/>
+                <a:ea typeface="Calibri" panose="020F0502020204030204" pitchFamily="34" charset="0"/>
+                <a:cs typeface="Times New Roman" panose="02020603050405020304" pitchFamily="18" charset="0"/>
+              </a:rPr>
+              <a:t>Creamos un repositorio en </a:t>
+            </a:r>
+            <a:r>
+              <a:rPr lang="es-CO" dirty="0"/>
+              <a:t>GitHub, y subimos los archivos.</a:t>
+            </a:r>
+            <a:endParaRPr lang="es-CO" dirty="0">
+              <a:latin typeface="Calibri" panose="020F0502020204030204" pitchFamily="34" charset="0"/>
+              <a:ea typeface="Calibri" panose="020F0502020204030204" pitchFamily="34" charset="0"/>
+              <a:cs typeface="Times New Roman" panose="02020603050405020304" pitchFamily="18" charset="0"/>
+            </a:endParaRPr>
+          </a:p>
+        </p:txBody>
+      </p:sp>
     </p:spTree>
     <p:extLst>
       <p:ext uri="{BB962C8B-B14F-4D97-AF65-F5344CB8AC3E}">
-        <p14:creationId xmlns:p14="http://schemas.microsoft.com/office/powerpoint/2010/main" val="1352640011"/>
+        <p14:creationId xmlns:p14="http://schemas.microsoft.com/office/powerpoint/2010/main" val="2711448748"/>
       </p:ext>
     </p:extLst>
   </p:cSld>
@@ -2804,14 +3006,20 @@
       </p:grpSpPr>
       <p:sp>
         <p:nvSpPr>
-          <p:cNvPr id="2" name="CuadroTexto 1"/>
+          <p:cNvPr id="3" name="CuadroTexto 2">
+            <a:extLst>
+              <a:ext uri="{FF2B5EF4-FFF2-40B4-BE49-F238E27FC236}">
+                <a16:creationId xmlns:a16="http://schemas.microsoft.com/office/drawing/2014/main" id="{8C5DF779-19B5-443A-B2F4-3ACA11485615}"/>
+              </a:ext>
+            </a:extLst>
+          </p:cNvPr>
           <p:cNvSpPr txBox="1"/>
           <p:nvPr/>
         </p:nvSpPr>
         <p:spPr>
           <a:xfrm>
-            <a:off x="382867" y="249495"/>
-            <a:ext cx="4106005" cy="646331"/>
+            <a:off x="407773" y="1482810"/>
+            <a:ext cx="8148577" cy="1200329"/>
           </a:xfrm>
           <a:prstGeom prst="rect">
             <a:avLst/>
@@ -2819,270 +3027,57 @@
           <a:noFill/>
         </p:spPr>
         <p:txBody>
-          <a:bodyPr wrap="square" rtlCol="0">
+          <a:bodyPr wrap="none" rtlCol="0">
             <a:spAutoFit/>
           </a:bodyPr>
           <a:lstStyle/>
           <a:p>
-            <a:r>
-              <a:rPr lang="es-ES" sz="3600" b="1" dirty="0">
-                <a:solidFill>
-                  <a:schemeClr val="bg1"/>
-                </a:solidFill>
-              </a:rPr>
-              <a:t>Avances</a:t>
-            </a:r>
-          </a:p>
-        </p:txBody>
-      </p:sp>
-      <p:sp>
-        <p:nvSpPr>
-          <p:cNvPr id="3" name="Rectángulo 2"/>
-          <p:cNvSpPr/>
-          <p:nvPr/>
-        </p:nvSpPr>
-        <p:spPr>
-          <a:xfrm>
-            <a:off x="289349" y="1164206"/>
-            <a:ext cx="8033769" cy="3979294"/>
-          </a:xfrm>
-          <a:prstGeom prst="rect">
-            <a:avLst/>
-          </a:prstGeom>
-        </p:spPr>
-        <p:txBody>
-          <a:bodyPr wrap="square">
-            <a:spAutoFit/>
-          </a:bodyPr>
-          <a:lstStyle/>
-          <a:p>
-            <a:pPr>
-              <a:lnSpc>
-                <a:spcPct val="107000"/>
-              </a:lnSpc>
-              <a:spcAft>
-                <a:spcPts val="800"/>
-              </a:spcAft>
-            </a:pPr>
-            <a:r>
-              <a:rPr lang="es-MX" dirty="0">
-                <a:latin typeface="Calibri" panose="020F0502020204030204" pitchFamily="34" charset="0"/>
-                <a:ea typeface="Calibri" panose="020F0502020204030204" pitchFamily="34" charset="0"/>
-                <a:cs typeface="Times New Roman" panose="02020603050405020304" pitchFamily="18" charset="0"/>
-              </a:rPr>
-              <a:t>Los cambios y avances que ha tenido nuestro proyecto son las siguientes:</a:t>
-            </a:r>
-          </a:p>
-          <a:p>
             <a:pPr marL="285750" indent="-285750">
-              <a:lnSpc>
-                <a:spcPct val="107000"/>
-              </a:lnSpc>
-              <a:spcAft>
-                <a:spcPts val="800"/>
-              </a:spcAft>
               <a:buFont typeface="Arial" panose="020B0604020202020204" pitchFamily="34" charset="0"/>
               <a:buChar char="•"/>
             </a:pPr>
             <a:r>
-              <a:rPr lang="es-MX" dirty="0">
-                <a:latin typeface="Calibri" panose="020F0502020204030204" pitchFamily="34" charset="0"/>
-                <a:ea typeface="Calibri" panose="020F0502020204030204" pitchFamily="34" charset="0"/>
-                <a:cs typeface="Times New Roman" panose="02020603050405020304" pitchFamily="18" charset="0"/>
-              </a:rPr>
-              <a:t>Realizamos la encuesta.</a:t>
+              <a:rPr lang="es-MX" dirty="0"/>
+              <a:t>Decidimos implementar la pulsera para todas las personas que deseen  adquirirlo.</a:t>
             </a:r>
           </a:p>
           <a:p>
             <a:pPr marL="285750" indent="-285750">
-              <a:lnSpc>
-                <a:spcPct val="107000"/>
-              </a:lnSpc>
-              <a:spcAft>
-                <a:spcPts val="800"/>
-              </a:spcAft>
               <a:buFont typeface="Arial" panose="020B0604020202020204" pitchFamily="34" charset="0"/>
               <a:buChar char="•"/>
             </a:pPr>
             <a:r>
-              <a:rPr lang="es-MX" dirty="0">
-                <a:latin typeface="Calibri" panose="020F0502020204030204" pitchFamily="34" charset="0"/>
-                <a:ea typeface="Calibri" panose="020F0502020204030204" pitchFamily="34" charset="0"/>
-                <a:cs typeface="Times New Roman" panose="02020603050405020304" pitchFamily="18" charset="0"/>
-              </a:rPr>
-              <a:t>Hicimos la ficha técnica de la encuesta.</a:t>
+              <a:rPr lang="es-MX" dirty="0"/>
+              <a:t>Editamos el contenido de las diapositivas.</a:t>
             </a:r>
           </a:p>
           <a:p>
             <a:pPr marL="285750" indent="-285750">
-              <a:lnSpc>
-                <a:spcPct val="107000"/>
-              </a:lnSpc>
-              <a:spcAft>
-                <a:spcPts val="800"/>
-              </a:spcAft>
               <a:buFont typeface="Arial" panose="020B0604020202020204" pitchFamily="34" charset="0"/>
               <a:buChar char="•"/>
             </a:pPr>
             <a:r>
-              <a:rPr lang="es-MX" dirty="0">
-                <a:latin typeface="Calibri" panose="020F0502020204030204" pitchFamily="34" charset="0"/>
-                <a:ea typeface="Calibri" panose="020F0502020204030204" pitchFamily="34" charset="0"/>
-                <a:cs typeface="Times New Roman" panose="02020603050405020304" pitchFamily="18" charset="0"/>
-              </a:rPr>
-              <a:t>Agregamos y organizamos los objetivos específicos.</a:t>
-            </a:r>
-            <a:endParaRPr lang="es-CO" dirty="0">
-              <a:latin typeface="Calibri" panose="020F0502020204030204" pitchFamily="34" charset="0"/>
-              <a:ea typeface="Calibri" panose="020F0502020204030204" pitchFamily="34" charset="0"/>
-              <a:cs typeface="Times New Roman" panose="02020603050405020304" pitchFamily="18" charset="0"/>
-            </a:endParaRPr>
+              <a:rPr lang="es-MX" dirty="0"/>
+              <a:t>Editamos el mapa mental, de procesos y el árbol de problemas. </a:t>
+            </a:r>
           </a:p>
           <a:p>
             <a:pPr marL="285750" indent="-285750">
-              <a:lnSpc>
-                <a:spcPct val="107000"/>
-              </a:lnSpc>
-              <a:spcAft>
-                <a:spcPts val="800"/>
-              </a:spcAft>
               <a:buFont typeface="Arial" panose="020B0604020202020204" pitchFamily="34" charset="0"/>
               <a:buChar char="•"/>
             </a:pPr>
             <a:r>
-              <a:rPr lang="es-MX" dirty="0">
-                <a:latin typeface="Calibri" panose="020F0502020204030204" pitchFamily="34" charset="0"/>
-                <a:ea typeface="Calibri" panose="020F0502020204030204" pitchFamily="34" charset="0"/>
-                <a:cs typeface="Times New Roman" panose="02020603050405020304" pitchFamily="18" charset="0"/>
-              </a:rPr>
-              <a:t>Modificamos el mapa mental.</a:t>
-            </a:r>
-            <a:endParaRPr lang="es-CO" dirty="0">
-              <a:latin typeface="Calibri" panose="020F0502020204030204" pitchFamily="34" charset="0"/>
-              <a:ea typeface="Calibri" panose="020F0502020204030204" pitchFamily="34" charset="0"/>
-              <a:cs typeface="Times New Roman" panose="02020603050405020304" pitchFamily="18" charset="0"/>
-            </a:endParaRPr>
-          </a:p>
-          <a:p>
-            <a:pPr marL="285750" indent="-285750">
-              <a:lnSpc>
-                <a:spcPct val="107000"/>
-              </a:lnSpc>
-              <a:spcAft>
-                <a:spcPts val="800"/>
-              </a:spcAft>
-              <a:buFont typeface="Arial" panose="020B0604020202020204" pitchFamily="34" charset="0"/>
-              <a:buChar char="•"/>
-            </a:pPr>
-            <a:r>
-              <a:rPr lang="es-MX" dirty="0">
-                <a:latin typeface="Calibri" panose="020F0502020204030204" pitchFamily="34" charset="0"/>
-                <a:ea typeface="Calibri" panose="020F0502020204030204" pitchFamily="34" charset="0"/>
-                <a:cs typeface="Times New Roman" panose="02020603050405020304" pitchFamily="18" charset="0"/>
-              </a:rPr>
-              <a:t>Agregamos unas palabras al glosario.</a:t>
-            </a:r>
-          </a:p>
-          <a:p>
-            <a:pPr marL="285750" indent="-285750">
-              <a:lnSpc>
-                <a:spcPct val="107000"/>
-              </a:lnSpc>
-              <a:spcAft>
-                <a:spcPts val="800"/>
-              </a:spcAft>
-              <a:buFont typeface="Arial" panose="020B0604020202020204" pitchFamily="34" charset="0"/>
-              <a:buChar char="•"/>
-            </a:pPr>
-            <a:r>
-              <a:rPr lang="es-MX" dirty="0">
-                <a:latin typeface="Calibri" panose="020F0502020204030204" pitchFamily="34" charset="0"/>
-                <a:ea typeface="Calibri" panose="020F0502020204030204" pitchFamily="34" charset="0"/>
-                <a:cs typeface="Times New Roman" panose="02020603050405020304" pitchFamily="18" charset="0"/>
-              </a:rPr>
-              <a:t>Agregamos los requisitos funcionales y no funcionales.</a:t>
-            </a:r>
-          </a:p>
-          <a:p>
-            <a:pPr marL="285750" indent="-285750">
-              <a:lnSpc>
-                <a:spcPct val="107000"/>
-              </a:lnSpc>
-              <a:spcAft>
-                <a:spcPts val="800"/>
-              </a:spcAft>
-              <a:buFont typeface="Arial" panose="020B0604020202020204" pitchFamily="34" charset="0"/>
-              <a:buChar char="•"/>
-            </a:pPr>
-            <a:r>
-              <a:rPr lang="es-MX" dirty="0">
-                <a:latin typeface="Calibri" panose="020F0502020204030204" pitchFamily="34" charset="0"/>
-                <a:ea typeface="Calibri" panose="020F0502020204030204" pitchFamily="34" charset="0"/>
-                <a:cs typeface="Times New Roman" panose="02020603050405020304" pitchFamily="18" charset="0"/>
-              </a:rPr>
-              <a:t>Hicimos el mapa conceptual de los requisitos funcionales y no funcionales. </a:t>
-            </a:r>
-            <a:endParaRPr lang="es-CO" dirty="0">
-              <a:latin typeface="Calibri" panose="020F0502020204030204" pitchFamily="34" charset="0"/>
-              <a:ea typeface="Calibri" panose="020F0502020204030204" pitchFamily="34" charset="0"/>
-              <a:cs typeface="Times New Roman" panose="02020603050405020304" pitchFamily="18" charset="0"/>
-            </a:endParaRPr>
-          </a:p>
-          <a:p>
-            <a:pPr marL="285750" indent="-285750">
-              <a:lnSpc>
-                <a:spcPct val="107000"/>
-              </a:lnSpc>
-              <a:spcAft>
-                <a:spcPts val="800"/>
-              </a:spcAft>
-              <a:buFont typeface="Arial" panose="020B0604020202020204" pitchFamily="34" charset="0"/>
-              <a:buChar char="•"/>
-            </a:pPr>
-            <a:r>
-              <a:rPr lang="es-MX" dirty="0">
-                <a:latin typeface="Calibri" panose="020F0502020204030204" pitchFamily="34" charset="0"/>
-                <a:ea typeface="Calibri" panose="020F0502020204030204" pitchFamily="34" charset="0"/>
-                <a:cs typeface="Times New Roman" panose="02020603050405020304" pitchFamily="18" charset="0"/>
-              </a:rPr>
-              <a:t>Modificamos el mapa de procesos.</a:t>
-            </a:r>
-          </a:p>
-          <a:p>
-            <a:pPr marL="285750" indent="-285750">
-              <a:lnSpc>
-                <a:spcPct val="107000"/>
-              </a:lnSpc>
-              <a:spcAft>
-                <a:spcPts val="800"/>
-              </a:spcAft>
-              <a:buFont typeface="Arial" panose="020B0604020202020204" pitchFamily="34" charset="0"/>
-              <a:buChar char="•"/>
-            </a:pPr>
-            <a:r>
-              <a:rPr lang="es-MX" dirty="0">
-                <a:latin typeface="Calibri" panose="020F0502020204030204" pitchFamily="34" charset="0"/>
-                <a:ea typeface="Calibri" panose="020F0502020204030204" pitchFamily="34" charset="0"/>
-                <a:cs typeface="Times New Roman" panose="02020603050405020304" pitchFamily="18" charset="0"/>
-              </a:rPr>
-              <a:t>Creamos un repositorio en </a:t>
-            </a:r>
-            <a:r>
-              <a:rPr lang="es-CO" dirty="0"/>
-              <a:t>GitHub, y subimos los archivos.</a:t>
-            </a:r>
-            <a:endParaRPr lang="es-CO" dirty="0">
-              <a:latin typeface="Calibri" panose="020F0502020204030204" pitchFamily="34" charset="0"/>
-              <a:ea typeface="Calibri" panose="020F0502020204030204" pitchFamily="34" charset="0"/>
-              <a:cs typeface="Times New Roman" panose="02020603050405020304" pitchFamily="18" charset="0"/>
-            </a:endParaRPr>
+              <a:rPr lang="es-MX" dirty="0"/>
+              <a:t>También editamos el documento de Word.</a:t>
+            </a:r>
+            <a:endParaRPr lang="es-CO" dirty="0"/>
           </a:p>
         </p:txBody>
       </p:sp>
     </p:spTree>
     <p:extLst>
       <p:ext uri="{BB962C8B-B14F-4D97-AF65-F5344CB8AC3E}">
-        <p14:creationId xmlns:p14="http://schemas.microsoft.com/office/powerpoint/2010/main" val="2711448748"/>
+        <p14:creationId xmlns:p14="http://schemas.microsoft.com/office/powerpoint/2010/main" val="470859506"/>
       </p:ext>
     </p:extLst>
   </p:cSld>
@@ -3111,78 +3106,68 @@
       </p:grpSpPr>
       <p:sp>
         <p:nvSpPr>
-          <p:cNvPr id="3" name="CuadroTexto 2">
-            <a:extLst>
-              <a:ext uri="{FF2B5EF4-FFF2-40B4-BE49-F238E27FC236}">
-                <a16:creationId xmlns:a16="http://schemas.microsoft.com/office/drawing/2014/main" id="{8C5DF779-19B5-443A-B2F4-3ACA11485615}"/>
-              </a:ext>
-            </a:extLst>
-          </p:cNvPr>
-          <p:cNvSpPr txBox="1"/>
+          <p:cNvPr id="2" name="Rectángulo 1"/>
+          <p:cNvSpPr/>
           <p:nvPr/>
         </p:nvSpPr>
         <p:spPr>
           <a:xfrm>
-            <a:off x="407773" y="1482810"/>
-            <a:ext cx="8148577" cy="1200329"/>
+            <a:off x="1908835" y="786884"/>
+            <a:ext cx="3975512" cy="369332"/>
           </a:xfrm>
           <a:prstGeom prst="rect">
             <a:avLst/>
           </a:prstGeom>
-          <a:noFill/>
-        </p:spPr>
-        <p:txBody>
-          <a:bodyPr wrap="none" rtlCol="0">
+        </p:spPr>
+        <p:txBody>
+          <a:bodyPr wrap="none">
             <a:spAutoFit/>
           </a:bodyPr>
           <a:lstStyle/>
           <a:p>
-            <a:pPr marL="285750" indent="-285750">
-              <a:buFont typeface="Arial" panose="020B0604020202020204" pitchFamily="34" charset="0"/>
-              <a:buChar char="•"/>
-            </a:pPr>
-            <a:r>
-              <a:rPr lang="es-MX" dirty="0"/>
-              <a:t>Decidimos implementar la pulsera para todas las personas que deseen  adquirirlo.</a:t>
-            </a:r>
-          </a:p>
-          <a:p>
-            <a:pPr marL="285750" indent="-285750">
-              <a:buFont typeface="Arial" panose="020B0604020202020204" pitchFamily="34" charset="0"/>
-              <a:buChar char="•"/>
-            </a:pPr>
-            <a:r>
-              <a:rPr lang="es-MX" dirty="0"/>
-              <a:t>Editamos el contenido de las diapositivas.</a:t>
-            </a:r>
-          </a:p>
-          <a:p>
-            <a:pPr marL="285750" indent="-285750">
-              <a:buFont typeface="Arial" panose="020B0604020202020204" pitchFamily="34" charset="0"/>
-              <a:buChar char="•"/>
-            </a:pPr>
-            <a:r>
-              <a:rPr lang="es-MX" dirty="0"/>
-              <a:t>Editamos el mapa mental, de procesos y el árbol de problemas. </a:t>
-            </a:r>
-          </a:p>
-          <a:p>
-            <a:pPr marL="285750" indent="-285750">
-              <a:buFont typeface="Arial" panose="020B0604020202020204" pitchFamily="34" charset="0"/>
-              <a:buChar char="•"/>
-            </a:pPr>
-            <a:r>
-              <a:rPr lang="es-MX" dirty="0"/>
-              <a:t>También editamos el documento de Word.</a:t>
+            <a:r>
+              <a:rPr lang="es-CO" dirty="0">
+                <a:hlinkClick r:id="rId2"/>
+              </a:rPr>
+              <a:t>https://github.com/Dalvarez491/IdHand</a:t>
             </a:r>
             <a:endParaRPr lang="es-CO" dirty="0"/>
           </a:p>
         </p:txBody>
       </p:sp>
+      <p:pic>
+        <p:nvPicPr>
+          <p:cNvPr id="4" name="Imagen 3"/>
+          <p:cNvPicPr>
+            <a:picLocks noChangeAspect="1"/>
+          </p:cNvPicPr>
+          <p:nvPr/>
+        </p:nvPicPr>
+        <p:blipFill rotWithShape="1">
+          <a:blip r:embed="rId3">
+            <a:extLst>
+              <a:ext uri="{28A0092B-C50C-407E-A947-70E740481C1C}">
+                <a14:useLocalDpi xmlns:a14="http://schemas.microsoft.com/office/drawing/2010/main" val="0"/>
+              </a:ext>
+            </a:extLst>
+          </a:blip>
+          <a:srcRect l="8181" t="4826" r="11250" b="22209"/>
+          <a:stretch/>
+        </p:blipFill>
+        <p:spPr>
+          <a:xfrm>
+            <a:off x="1981572" y="1156216"/>
+            <a:ext cx="6203375" cy="3158559"/>
+          </a:xfrm>
+          <a:prstGeom prst="rect">
+            <a:avLst/>
+          </a:prstGeom>
+        </p:spPr>
+      </p:pic>
     </p:spTree>
     <p:extLst>
       <p:ext uri="{BB962C8B-B14F-4D97-AF65-F5344CB8AC3E}">
-        <p14:creationId xmlns:p14="http://schemas.microsoft.com/office/powerpoint/2010/main" val="470859506"/>
+        <p14:creationId xmlns:p14="http://schemas.microsoft.com/office/powerpoint/2010/main" val="2335984454"/>
       </p:ext>
     </p:extLst>
   </p:cSld>
@@ -3209,70 +3194,10 @@
           <a:chExt cx="0" cy="0"/>
         </a:xfrm>
       </p:grpSpPr>
-      <p:sp>
-        <p:nvSpPr>
-          <p:cNvPr id="2" name="Rectángulo 1"/>
-          <p:cNvSpPr/>
-          <p:nvPr/>
-        </p:nvSpPr>
-        <p:spPr>
-          <a:xfrm>
-            <a:off x="1908835" y="786884"/>
-            <a:ext cx="3975512" cy="369332"/>
-          </a:xfrm>
-          <a:prstGeom prst="rect">
-            <a:avLst/>
-          </a:prstGeom>
-        </p:spPr>
-        <p:txBody>
-          <a:bodyPr wrap="none">
-            <a:spAutoFit/>
-          </a:bodyPr>
-          <a:lstStyle/>
-          <a:p>
-            <a:r>
-              <a:rPr lang="es-CO" dirty="0">
-                <a:hlinkClick r:id="rId2"/>
-              </a:rPr>
-              <a:t>https://github.com/Dalvarez491/IdHand</a:t>
-            </a:r>
-            <a:endParaRPr lang="es-CO" dirty="0"/>
-          </a:p>
-        </p:txBody>
-      </p:sp>
-      <p:pic>
-        <p:nvPicPr>
-          <p:cNvPr id="4" name="Imagen 3"/>
-          <p:cNvPicPr>
-            <a:picLocks noChangeAspect="1"/>
-          </p:cNvPicPr>
-          <p:nvPr/>
-        </p:nvPicPr>
-        <p:blipFill rotWithShape="1">
-          <a:blip r:embed="rId3">
-            <a:extLst>
-              <a:ext uri="{28A0092B-C50C-407E-A947-70E740481C1C}">
-                <a14:useLocalDpi xmlns:a14="http://schemas.microsoft.com/office/drawing/2010/main" val="0"/>
-              </a:ext>
-            </a:extLst>
-          </a:blip>
-          <a:srcRect l="8181" t="4826" r="11250" b="22209"/>
-          <a:stretch/>
-        </p:blipFill>
-        <p:spPr>
-          <a:xfrm>
-            <a:off x="1981572" y="1156216"/>
-            <a:ext cx="6203375" cy="3158559"/>
-          </a:xfrm>
-          <a:prstGeom prst="rect">
-            <a:avLst/>
-          </a:prstGeom>
-        </p:spPr>
-      </p:pic>
     </p:spTree>
     <p:extLst>
       <p:ext uri="{BB962C8B-B14F-4D97-AF65-F5344CB8AC3E}">
-        <p14:creationId xmlns:p14="http://schemas.microsoft.com/office/powerpoint/2010/main" val="2335984454"/>
+        <p14:creationId xmlns:p14="http://schemas.microsoft.com/office/powerpoint/2010/main" val="2445910014"/>
       </p:ext>
     </p:extLst>
   </p:cSld>
@@ -3374,36 +3299,6 @@
     <p:extLst>
       <p:ext uri="{BB962C8B-B14F-4D97-AF65-F5344CB8AC3E}">
         <p14:creationId xmlns:p14="http://schemas.microsoft.com/office/powerpoint/2010/main" val="2067576821"/>
-      </p:ext>
-    </p:extLst>
-  </p:cSld>
-  <p:clrMapOvr>
-    <a:masterClrMapping/>
-  </p:clrMapOvr>
-</p:sld>
-</file>
-
-<file path=ppt/slides/slide20.xml><?xml version="1.0" encoding="utf-8"?>
-<p:sld xmlns:a="http://schemas.openxmlformats.org/drawingml/2006/main" xmlns:r="http://schemas.openxmlformats.org/officeDocument/2006/relationships" xmlns:p="http://schemas.openxmlformats.org/presentationml/2006/main">
-  <p:cSld>
-    <p:spTree>
-      <p:nvGrpSpPr>
-        <p:cNvPr id="1" name=""/>
-        <p:cNvGrpSpPr/>
-        <p:nvPr/>
-      </p:nvGrpSpPr>
-      <p:grpSpPr>
-        <a:xfrm>
-          <a:off x="0" y="0"/>
-          <a:ext cx="0" cy="0"/>
-          <a:chOff x="0" y="0"/>
-          <a:chExt cx="0" cy="0"/>
-        </a:xfrm>
-      </p:grpSpPr>
-    </p:spTree>
-    <p:extLst>
-      <p:ext uri="{BB962C8B-B14F-4D97-AF65-F5344CB8AC3E}">
-        <p14:creationId xmlns:p14="http://schemas.microsoft.com/office/powerpoint/2010/main" val="2445910014"/>
       </p:ext>
     </p:extLst>
   </p:cSld>
@@ -3652,7 +3547,11 @@
             <a:pPr algn="just"/>
             <a:r>
               <a:rPr lang="es-CO" sz="3200" dirty="0"/>
-              <a:t> al momento de escanear un código QR con un dispositivo móvil, en caso de no contar con alguno en el instante la pulsera tendrá un botón que al momento de presionarlo se reproducirá un audio con la información del usuario</a:t>
+              <a:t> al momento de escanear un código QR con un dispositivo móvil, en caso de no contar con alguno en el instante la pulsera tendrá un botón que al momento de presionarlo se reproducirá un audio con la información del </a:t>
+            </a:r>
+            <a:r>
+              <a:rPr lang="es-CO" sz="3200" dirty="0" smtClean="0"/>
+              <a:t>usuario.</a:t>
             </a:r>
             <a:endParaRPr lang="es-CO" sz="3200" spc="-150" dirty="0"/>
           </a:p>
@@ -3690,20 +3589,47 @@
       </p:grpSpPr>
       <p:sp>
         <p:nvSpPr>
-          <p:cNvPr id="2" name="Rectángulo 1">
-            <a:extLst>
-              <a:ext uri="{FF2B5EF4-FFF2-40B4-BE49-F238E27FC236}">
-                <a16:creationId xmlns:a16="http://schemas.microsoft.com/office/drawing/2014/main" id="{49377BD2-AFA2-4421-A64D-69BD2C082096}"/>
-              </a:ext>
-            </a:extLst>
-          </p:cNvPr>
+          <p:cNvPr id="2" name="CuadroTexto 1"/>
+          <p:cNvSpPr txBox="1"/>
+          <p:nvPr/>
+        </p:nvSpPr>
+        <p:spPr>
+          <a:xfrm>
+            <a:off x="382867" y="249495"/>
+            <a:ext cx="4106005" cy="646331"/>
+          </a:xfrm>
+          <a:prstGeom prst="rect">
+            <a:avLst/>
+          </a:prstGeom>
+          <a:noFill/>
+        </p:spPr>
+        <p:txBody>
+          <a:bodyPr wrap="square" rtlCol="0">
+            <a:spAutoFit/>
+          </a:bodyPr>
+          <a:lstStyle/>
+          <a:p>
+            <a:r>
+              <a:rPr lang="es-ES" sz="3600" b="1" dirty="0">
+                <a:solidFill>
+                  <a:schemeClr val="bg1"/>
+                </a:solidFill>
+              </a:rPr>
+              <a:t>Objetivo general</a:t>
+            </a:r>
+          </a:p>
+        </p:txBody>
+      </p:sp>
+      <p:sp>
+        <p:nvSpPr>
+          <p:cNvPr id="3" name="Rectángulo 2"/>
           <p:cNvSpPr/>
           <p:nvPr/>
         </p:nvSpPr>
         <p:spPr>
           <a:xfrm>
-            <a:off x="556054" y="707738"/>
-            <a:ext cx="8031892" cy="2862322"/>
+            <a:off x="382867" y="1278951"/>
+            <a:ext cx="8064942" cy="2554545"/>
           </a:xfrm>
           <a:prstGeom prst="rect">
             <a:avLst/>
@@ -3715,17 +3641,27 @@
           </a:bodyPr>
           <a:lstStyle/>
           <a:p>
-            <a:r>
-              <a:rPr lang="es-CO" sz="3600" dirty="0"/>
-              <a:t>También se incluirá otro botón de emergencia el cual al presionarlo enviara la ubicación de la persona a los organismos de socorro y a el contacto de emergencia que el usuario ingresó. </a:t>
-            </a:r>
+            <a:pPr algn="just"/>
+            <a:r>
+              <a:rPr lang="es-ES" sz="3200" dirty="0"/>
+              <a:t>Desarrollar una </a:t>
+            </a:r>
+            <a:r>
+              <a:rPr lang="es-ES" sz="3200" dirty="0" smtClean="0"/>
+              <a:t>pulsera que </a:t>
+            </a:r>
+            <a:r>
+              <a:rPr lang="es-ES" sz="3200" dirty="0"/>
+              <a:t>por medio de código QR y audio revele la identificación personal de el usuario, con el propósito de mejorar las condiciones de atención a las personas en estado de inconsciencia.</a:t>
+            </a:r>
+            <a:endParaRPr lang="es-CO" sz="3200" dirty="0"/>
           </a:p>
         </p:txBody>
       </p:sp>
     </p:spTree>
     <p:extLst>
       <p:ext uri="{BB962C8B-B14F-4D97-AF65-F5344CB8AC3E}">
-        <p14:creationId xmlns:p14="http://schemas.microsoft.com/office/powerpoint/2010/main" val="282570067"/>
+        <p14:creationId xmlns:p14="http://schemas.microsoft.com/office/powerpoint/2010/main" val="105356183"/>
       </p:ext>
     </p:extLst>
   </p:cSld>
@@ -3761,7 +3697,7 @@
         <p:spPr>
           <a:xfrm>
             <a:off x="382867" y="249495"/>
-            <a:ext cx="4106005" cy="646331"/>
+            <a:ext cx="4448905" cy="646331"/>
           </a:xfrm>
           <a:prstGeom prst="rect">
             <a:avLst/>
@@ -3780,7 +3716,7 @@
                   <a:schemeClr val="bg1"/>
                 </a:solidFill>
               </a:rPr>
-              <a:t>Objetivo general</a:t>
+              <a:t>Objetivo específicos</a:t>
             </a:r>
           </a:p>
         </p:txBody>
@@ -3793,8 +3729,8 @@
         </p:nvSpPr>
         <p:spPr>
           <a:xfrm>
-            <a:off x="382867" y="1278951"/>
-            <a:ext cx="8064942" cy="3046988"/>
+            <a:off x="382867" y="1389695"/>
+            <a:ext cx="7950642" cy="2062103"/>
           </a:xfrm>
           <a:prstGeom prst="rect">
             <a:avLst/>
@@ -3806,19 +3742,37 @@
           </a:bodyPr>
           <a:lstStyle/>
           <a:p>
-            <a:pPr algn="just"/>
-            <a:r>
-              <a:rPr lang="es-ES" sz="3200" dirty="0"/>
-              <a:t>Desarrollar una pulsera que contenga geolocalización y que por medio de código QR y audio revele la identificación personal de el usuario, con el propósito de mejorar las condiciones de atención a las personas en estado de inconsciencia.</a:t>
-            </a:r>
-            <a:endParaRPr lang="es-CO" sz="3200" dirty="0"/>
+            <a:pPr marL="457200" lvl="0" indent="-457200" algn="just">
+              <a:buFont typeface="Arial" panose="020B0604020202020204" pitchFamily="34" charset="0"/>
+              <a:buChar char="•"/>
+            </a:pPr>
+            <a:r>
+              <a:rPr lang="es-CO" sz="3200" dirty="0"/>
+              <a:t>Especificar los requisitos necesarios para desarrollar una pulsera con código </a:t>
+            </a:r>
+            <a:r>
+              <a:rPr lang="es-CO" sz="3200" dirty="0" smtClean="0"/>
+              <a:t>QR y </a:t>
+            </a:r>
+            <a:r>
+              <a:rPr lang="es-CO" sz="3200" dirty="0"/>
+              <a:t>audio </a:t>
+            </a:r>
+            <a:r>
+              <a:rPr lang="es-CO" sz="3200" dirty="0" smtClean="0"/>
+              <a:t>de </a:t>
+            </a:r>
+            <a:r>
+              <a:rPr lang="es-CO" sz="3200" dirty="0"/>
+              <a:t>acuerdo con las necesidades del cliente.</a:t>
+            </a:r>
           </a:p>
         </p:txBody>
       </p:sp>
     </p:spTree>
     <p:extLst>
       <p:ext uri="{BB962C8B-B14F-4D97-AF65-F5344CB8AC3E}">
-        <p14:creationId xmlns:p14="http://schemas.microsoft.com/office/powerpoint/2010/main" val="105356183"/>
+        <p14:creationId xmlns:p14="http://schemas.microsoft.com/office/powerpoint/2010/main" val="34103732"/>
       </p:ext>
     </p:extLst>
   </p:cSld>
@@ -3847,47 +3801,14 @@
       </p:grpSpPr>
       <p:sp>
         <p:nvSpPr>
-          <p:cNvPr id="2" name="CuadroTexto 1"/>
-          <p:cNvSpPr txBox="1"/>
-          <p:nvPr/>
-        </p:nvSpPr>
-        <p:spPr>
-          <a:xfrm>
-            <a:off x="382867" y="249495"/>
-            <a:ext cx="4448905" cy="646331"/>
-          </a:xfrm>
-          <a:prstGeom prst="rect">
-            <a:avLst/>
-          </a:prstGeom>
-          <a:noFill/>
-        </p:spPr>
-        <p:txBody>
-          <a:bodyPr wrap="square" rtlCol="0">
-            <a:spAutoFit/>
-          </a:bodyPr>
-          <a:lstStyle/>
-          <a:p>
-            <a:r>
-              <a:rPr lang="es-ES" sz="3600" b="1" dirty="0">
-                <a:solidFill>
-                  <a:schemeClr val="bg1"/>
-                </a:solidFill>
-              </a:rPr>
-              <a:t>Objetivo específicos</a:t>
-            </a:r>
-          </a:p>
-        </p:txBody>
-      </p:sp>
-      <p:sp>
-        <p:nvSpPr>
-          <p:cNvPr id="3" name="Rectángulo 2"/>
+          <p:cNvPr id="2" name="Rectángulo 1"/>
           <p:cNvSpPr/>
           <p:nvPr/>
         </p:nvSpPr>
         <p:spPr>
           <a:xfrm>
-            <a:off x="382867" y="1389695"/>
-            <a:ext cx="7950642" cy="2062103"/>
+            <a:off x="0" y="638132"/>
+            <a:ext cx="8390237" cy="4524315"/>
           </a:xfrm>
           <a:prstGeom prst="rect">
             <a:avLst/>
@@ -3905,15 +3826,55 @@
             </a:pPr>
             <a:r>
               <a:rPr lang="es-CO" sz="3200" dirty="0"/>
-              <a:t>Especificar los requisitos necesarios para desarrollar una pulsera con código QR, audio y geolocalización de acuerdo con las necesidades del cliente.</a:t>
-            </a:r>
+              <a:t>Diseñar una pulsera y aplicativo móvil, que cuente con identificación personal de los usuarios, para casos de accidentes que implique la pérdida de conciencia.</a:t>
+            </a:r>
+          </a:p>
+          <a:p>
+            <a:pPr marL="457200" lvl="0" indent="-457200" algn="just">
+              <a:buFont typeface="Arial" panose="020B0604020202020204" pitchFamily="34" charset="0"/>
+              <a:buChar char="•"/>
+            </a:pPr>
+            <a:endParaRPr lang="es-CO" sz="3200" dirty="0"/>
+          </a:p>
+          <a:p>
+            <a:pPr marL="457200" indent="-457200" algn="just">
+              <a:buFont typeface="Arial" panose="020B0604020202020204" pitchFamily="34" charset="0"/>
+              <a:buChar char="•"/>
+            </a:pPr>
+            <a:r>
+              <a:rPr lang="es-CO" sz="3200" dirty="0"/>
+              <a:t>Crear el prototipo de una pulsera con código </a:t>
+            </a:r>
+            <a:r>
+              <a:rPr lang="es-CO" sz="3200" dirty="0" smtClean="0"/>
+              <a:t>QR </a:t>
+            </a:r>
+            <a:r>
+              <a:rPr lang="es-CO" sz="3200" dirty="0" smtClean="0"/>
+              <a:t>y </a:t>
+            </a:r>
+            <a:r>
+              <a:rPr lang="es-CO" sz="3200" dirty="0" smtClean="0"/>
+              <a:t>audio, que </a:t>
+            </a:r>
+            <a:r>
+              <a:rPr lang="es-CO" sz="3200" dirty="0"/>
+              <a:t>cumpla con los requisitos estipulados.</a:t>
+            </a:r>
+          </a:p>
+          <a:p>
+            <a:pPr marL="457200" lvl="0" indent="-457200" algn="just">
+              <a:buFont typeface="Arial" panose="020B0604020202020204" pitchFamily="34" charset="0"/>
+              <a:buChar char="•"/>
+            </a:pPr>
+            <a:endParaRPr lang="es-CO" sz="3200" dirty="0"/>
           </a:p>
         </p:txBody>
       </p:sp>
     </p:spTree>
     <p:extLst>
       <p:ext uri="{BB962C8B-B14F-4D97-AF65-F5344CB8AC3E}">
-        <p14:creationId xmlns:p14="http://schemas.microsoft.com/office/powerpoint/2010/main" val="34103732"/>
+        <p14:creationId xmlns:p14="http://schemas.microsoft.com/office/powerpoint/2010/main" val="1238904489"/>
       </p:ext>
     </p:extLst>
   </p:cSld>
@@ -3948,8 +3909,8 @@
         </p:nvSpPr>
         <p:spPr>
           <a:xfrm>
-            <a:off x="0" y="638132"/>
-            <a:ext cx="8390237" cy="4524315"/>
+            <a:off x="540325" y="0"/>
+            <a:ext cx="7616538" cy="4524315"/>
           </a:xfrm>
           <a:prstGeom prst="rect">
             <a:avLst/>
@@ -3961,14 +3922,49 @@
           </a:bodyPr>
           <a:lstStyle/>
           <a:p>
-            <a:pPr marL="457200" lvl="0" indent="-457200" algn="just">
+            <a:pPr lvl="0" algn="just"/>
+            <a:endParaRPr lang="es-CO" sz="3200" dirty="0"/>
+          </a:p>
+          <a:p>
+            <a:pPr marL="457200" indent="-457200" algn="just">
               <a:buFont typeface="Arial" panose="020B0604020202020204" pitchFamily="34" charset="0"/>
               <a:buChar char="•"/>
             </a:pPr>
             <a:r>
               <a:rPr lang="es-CO" sz="3200" dirty="0"/>
-              <a:t>Diseñar una pulsera y aplicativo móvil, que cuente con identificación personal de los usuarios, para casos de accidentes que implique la pérdida de conciencia.</a:t>
-            </a:r>
+              <a:t>Desarrollar un aplicativo móvil, para la administración y visualización de los datos del usuario.</a:t>
+            </a:r>
+          </a:p>
+          <a:p>
+            <a:pPr marL="457200" indent="-457200" algn="just">
+              <a:buFont typeface="Arial" panose="020B0604020202020204" pitchFamily="34" charset="0"/>
+              <a:buChar char="•"/>
+            </a:pPr>
+            <a:endParaRPr lang="es-CO" sz="3200" dirty="0"/>
+          </a:p>
+          <a:p>
+            <a:pPr marL="457200" indent="-457200" algn="just">
+              <a:buFont typeface="Arial" panose="020B0604020202020204" pitchFamily="34" charset="0"/>
+              <a:buChar char="•"/>
+            </a:pPr>
+            <a:endParaRPr lang="es-CO" sz="3200" dirty="0"/>
+          </a:p>
+          <a:p>
+            <a:pPr marL="457200" indent="-457200" algn="just">
+              <a:buFont typeface="Arial" panose="020B0604020202020204" pitchFamily="34" charset="0"/>
+              <a:buChar char="•"/>
+            </a:pPr>
+            <a:r>
+              <a:rPr lang="es-CO" sz="3200" dirty="0"/>
+              <a:t>Implementar prototipo</a:t>
+            </a:r>
+          </a:p>
+          <a:p>
+            <a:pPr marL="457200" indent="-457200" algn="just">
+              <a:buFont typeface="Arial" panose="020B0604020202020204" pitchFamily="34" charset="0"/>
+              <a:buChar char="•"/>
+            </a:pPr>
+            <a:endParaRPr lang="es-CO" sz="3200" dirty="0"/>
           </a:p>
           <a:p>
             <a:pPr marL="457200" lvl="0" indent="-457200" algn="just">
@@ -3977,37 +3973,12 @@
             </a:pPr>
             <a:endParaRPr lang="es-CO" sz="3200" dirty="0"/>
           </a:p>
-          <a:p>
-            <a:pPr marL="457200" indent="-457200" algn="just">
-              <a:buFont typeface="Arial" panose="020B0604020202020204" pitchFamily="34" charset="0"/>
-              <a:buChar char="•"/>
-            </a:pPr>
-            <a:r>
-              <a:rPr lang="es-CO" sz="3200" dirty="0"/>
-              <a:t>Crear el prototipo de una pulsera con código </a:t>
-            </a:r>
-            <a:r>
-              <a:rPr lang="es-CO" sz="3200" dirty="0" smtClean="0"/>
-              <a:t>QR, audio y geolocalización que </a:t>
-            </a:r>
-            <a:r>
-              <a:rPr lang="es-CO" sz="3200" dirty="0"/>
-              <a:t>cumpla con los requisitos estipulados.</a:t>
-            </a:r>
-          </a:p>
-          <a:p>
-            <a:pPr marL="457200" lvl="0" indent="-457200" algn="just">
-              <a:buFont typeface="Arial" panose="020B0604020202020204" pitchFamily="34" charset="0"/>
-              <a:buChar char="•"/>
-            </a:pPr>
-            <a:endParaRPr lang="es-CO" sz="3200" dirty="0"/>
-          </a:p>
         </p:txBody>
       </p:sp>
     </p:spTree>
     <p:extLst>
       <p:ext uri="{BB962C8B-B14F-4D97-AF65-F5344CB8AC3E}">
-        <p14:creationId xmlns:p14="http://schemas.microsoft.com/office/powerpoint/2010/main" val="1238904489"/>
+        <p14:creationId xmlns:p14="http://schemas.microsoft.com/office/powerpoint/2010/main" val="3585917692"/>
       </p:ext>
     </p:extLst>
   </p:cSld>
